--- a/CMake Tutor.pptx
+++ b/CMake Tutor.pptx
@@ -5,7 +5,7 @@
     <p:sldMasterId id="2147483660" r:id="rId1"/>
   </p:sldMasterIdLst>
   <p:notesMasterIdLst>
-    <p:notesMasterId r:id="rId7"/>
+    <p:notesMasterId r:id="rId10"/>
   </p:notesMasterIdLst>
   <p:sldIdLst>
     <p:sldId id="693" r:id="rId2"/>
@@ -13,6 +13,9 @@
     <p:sldId id="695" r:id="rId4"/>
     <p:sldId id="696" r:id="rId5"/>
     <p:sldId id="697" r:id="rId6"/>
+    <p:sldId id="698" r:id="rId7"/>
+    <p:sldId id="699" r:id="rId8"/>
+    <p:sldId id="700" r:id="rId9"/>
   </p:sldIdLst>
   <p:sldSz cx="12192000" cy="6858000"/>
   <p:notesSz cx="6858000" cy="9144000"/>
@@ -227,7 +230,7 @@
           <a:p>
             <a:fld id="{797133DB-AE36-4C65-A762-202382778B3E}" type="datetimeFigureOut">
               <a:rPr lang="de-DE" smtClean="0"/>
-              <a:t>18.03.2024</a:t>
+              <a:t>19.03.2024</a:t>
             </a:fld>
             <a:endParaRPr lang="de-DE"/>
           </a:p>
@@ -386,7 +389,7 @@
           <a:p>
             <a:fld id="{AE8A9A25-AEB5-4154-AF71-81B848861328}" type="slidenum">
               <a:rPr lang="de-DE" smtClean="0"/>
-              <a:t>‹#›</a:t>
+              <a:t>‹Nr.›</a:t>
             </a:fld>
             <a:endParaRPr lang="de-DE"/>
           </a:p>
@@ -1944,7 +1947,7 @@
                 </a:solidFill>
               </a:rPr>
               <a:pPr/>
-              <a:t>18.03.2024</a:t>
+              <a:t>19.03.2024</a:t>
             </a:fld>
             <a:endParaRPr lang="de-DE">
               <a:solidFill>
@@ -2027,7 +2030,7 @@
                 </a:solidFill>
               </a:rPr>
               <a:pPr/>
-              <a:t>‹#›</a:t>
+              <a:t>‹Nr.›</a:t>
             </a:fld>
             <a:endParaRPr lang="de-DE">
               <a:solidFill>
@@ -2440,7 +2443,7 @@
                 </a:solidFill>
               </a:rPr>
               <a:pPr/>
-              <a:t>18.03.2024</a:t>
+              <a:t>19.03.2024</a:t>
             </a:fld>
             <a:endParaRPr lang="de-DE">
               <a:solidFill>
@@ -2523,7 +2526,7 @@
                 </a:solidFill>
               </a:rPr>
               <a:pPr/>
-              <a:t>‹#›</a:t>
+              <a:t>‹Nr.›</a:t>
             </a:fld>
             <a:endParaRPr lang="de-DE">
               <a:solidFill>
@@ -2804,7 +2807,7 @@
                 </a:solidFill>
               </a:rPr>
               <a:pPr/>
-              <a:t>18.03.2024</a:t>
+              <a:t>19.03.2024</a:t>
             </a:fld>
             <a:endParaRPr lang="de-DE">
               <a:solidFill>
@@ -2887,7 +2890,7 @@
                 </a:solidFill>
               </a:rPr>
               <a:pPr/>
-              <a:t>‹#›</a:t>
+              <a:t>‹Nr.›</a:t>
             </a:fld>
             <a:endParaRPr lang="de-DE">
               <a:solidFill>
@@ -4217,7 +4220,7 @@
                 </a:solidFill>
               </a:rPr>
               <a:pPr/>
-              <a:t>18.03.2024</a:t>
+              <a:t>19.03.2024</a:t>
             </a:fld>
             <a:endParaRPr lang="de-DE">
               <a:solidFill>
@@ -4300,7 +4303,7 @@
                 </a:solidFill>
               </a:rPr>
               <a:pPr/>
-              <a:t>‹#›</a:t>
+              <a:t>‹Nr.›</a:t>
             </a:fld>
             <a:endParaRPr lang="de-DE">
               <a:solidFill>
@@ -4664,7 +4667,7 @@
                 </a:solidFill>
               </a:rPr>
               <a:pPr/>
-              <a:t>18.03.2024</a:t>
+              <a:t>19.03.2024</a:t>
             </a:fld>
             <a:endParaRPr lang="de-DE">
               <a:solidFill>
@@ -4747,7 +4750,7 @@
                 </a:solidFill>
               </a:rPr>
               <a:pPr/>
-              <a:t>‹#›</a:t>
+              <a:t>‹Nr.›</a:t>
             </a:fld>
             <a:endParaRPr lang="de-DE">
               <a:solidFill>
@@ -4979,7 +4982,7 @@
                 </a:solidFill>
               </a:rPr>
               <a:pPr/>
-              <a:t>18.03.2024</a:t>
+              <a:t>19.03.2024</a:t>
             </a:fld>
             <a:endParaRPr lang="de-DE">
               <a:solidFill>
@@ -5062,7 +5065,7 @@
                 </a:solidFill>
               </a:rPr>
               <a:pPr/>
-              <a:t>‹#›</a:t>
+              <a:t>‹Nr.›</a:t>
             </a:fld>
             <a:endParaRPr lang="de-DE">
               <a:solidFill>
@@ -5412,7 +5415,7 @@
                 </a:solidFill>
               </a:rPr>
               <a:pPr/>
-              <a:t>18.03.2024</a:t>
+              <a:t>19.03.2024</a:t>
             </a:fld>
             <a:endParaRPr lang="de-DE">
               <a:solidFill>
@@ -5519,7 +5522,7 @@
                 </a:solidFill>
               </a:rPr>
               <a:pPr/>
-              <a:t>‹#›</a:t>
+              <a:t>‹Nr.›</a:t>
             </a:fld>
             <a:endParaRPr lang="de-DE">
               <a:solidFill>
@@ -5905,7 +5908,7 @@
                 </a:solidFill>
               </a:rPr>
               <a:pPr/>
-              <a:t>18.03.2024</a:t>
+              <a:t>19.03.2024</a:t>
             </a:fld>
             <a:endParaRPr lang="de-DE">
               <a:solidFill>
@@ -6095,7 +6098,7 @@
                 </a:solidFill>
               </a:rPr>
               <a:pPr/>
-              <a:t>18.03.2024</a:t>
+              <a:t>19.03.2024</a:t>
             </a:fld>
             <a:endParaRPr lang="de-DE">
               <a:solidFill>
@@ -6378,7 +6381,7 @@
                 </a:solidFill>
               </a:rPr>
               <a:pPr/>
-              <a:t>18.03.2024</a:t>
+              <a:t>19.03.2024</a:t>
             </a:fld>
             <a:endParaRPr lang="de-DE">
               <a:solidFill>
@@ -6673,7 +6676,7 @@
                 </a:solidFill>
               </a:rPr>
               <a:pPr/>
-              <a:t>18.03.2024</a:t>
+              <a:t>19.03.2024</a:t>
             </a:fld>
             <a:endParaRPr lang="de-DE">
               <a:solidFill>
@@ -6902,7 +6905,7 @@
                 </a:solidFill>
               </a:rPr>
               <a:pPr/>
-              <a:t>18.03.2024</a:t>
+              <a:t>19.03.2024</a:t>
             </a:fld>
             <a:endParaRPr lang="de-DE">
               <a:solidFill>
@@ -7001,6 +7004,1138 @@
     <p:extLst>
       <p:ext uri="{BB962C8B-B14F-4D97-AF65-F5344CB8AC3E}">
         <p14:creationId xmlns:p14="http://schemas.microsoft.com/office/powerpoint/2010/main" val="3616919192"/>
+      </p:ext>
+    </p:extLst>
+  </p:cSld>
+  <p:clrMapOvr>
+    <a:masterClrMapping/>
+  </p:clrMapOvr>
+</p:sld>
+</file>
+
+<file path=ppt/slides/slide6.xml><?xml version="1.0" encoding="utf-8"?>
+<p:sld xmlns:a="http://schemas.openxmlformats.org/drawingml/2006/main" xmlns:r="http://schemas.openxmlformats.org/officeDocument/2006/relationships" xmlns:p="http://schemas.openxmlformats.org/presentationml/2006/main">
+  <p:cSld>
+    <p:spTree>
+      <p:nvGrpSpPr>
+        <p:cNvPr id="1" name=""/>
+        <p:cNvGrpSpPr/>
+        <p:nvPr/>
+      </p:nvGrpSpPr>
+      <p:grpSpPr>
+        <a:xfrm>
+          <a:off x="0" y="0"/>
+          <a:ext cx="0" cy="0"/>
+          <a:chOff x="0" y="0"/>
+          <a:chExt cx="0" cy="0"/>
+        </a:xfrm>
+      </p:grpSpPr>
+      <p:sp>
+        <p:nvSpPr>
+          <p:cNvPr id="2" name="Titel 1">
+            <a:extLst>
+              <a:ext uri="{FF2B5EF4-FFF2-40B4-BE49-F238E27FC236}">
+                <a16:creationId xmlns:a16="http://schemas.microsoft.com/office/drawing/2014/main" id="{59330464-837C-4882-A5A4-3DA8925BAF97}"/>
+              </a:ext>
+            </a:extLst>
+          </p:cNvPr>
+          <p:cNvSpPr>
+            <a:spLocks noGrp="1"/>
+          </p:cNvSpPr>
+          <p:nvPr>
+            <p:ph type="title"/>
+          </p:nvPr>
+        </p:nvSpPr>
+        <p:spPr/>
+        <p:txBody>
+          <a:bodyPr/>
+          <a:lstStyle/>
+          <a:p>
+            <a:endParaRPr lang="de-DE"/>
+          </a:p>
+        </p:txBody>
+      </p:sp>
+      <p:sp>
+        <p:nvSpPr>
+          <p:cNvPr id="4" name="Datumsplatzhalter 3">
+            <a:extLst>
+              <a:ext uri="{FF2B5EF4-FFF2-40B4-BE49-F238E27FC236}">
+                <a16:creationId xmlns:a16="http://schemas.microsoft.com/office/drawing/2014/main" id="{787654A5-17E5-4B4E-9FEA-3D8A241130F7}"/>
+              </a:ext>
+            </a:extLst>
+          </p:cNvPr>
+          <p:cNvSpPr>
+            <a:spLocks noGrp="1"/>
+          </p:cNvSpPr>
+          <p:nvPr>
+            <p:ph type="dt" sz="half" idx="10"/>
+          </p:nvPr>
+        </p:nvSpPr>
+        <p:spPr/>
+        <p:txBody>
+          <a:bodyPr/>
+          <a:lstStyle/>
+          <a:p>
+            <a:fld id="{09F30421-1F29-4C9D-8705-ECCB24313F22}" type="datetime1">
+              <a:rPr lang="de-DE" smtClean="0">
+                <a:solidFill>
+                  <a:prstClr val="black">
+                    <a:tint val="75000"/>
+                  </a:prstClr>
+                </a:solidFill>
+              </a:rPr>
+              <a:pPr/>
+              <a:t>19.03.2024</a:t>
+            </a:fld>
+            <a:endParaRPr lang="de-DE">
+              <a:solidFill>
+                <a:prstClr val="black">
+                  <a:tint val="75000"/>
+                </a:prstClr>
+              </a:solidFill>
+            </a:endParaRPr>
+          </a:p>
+        </p:txBody>
+      </p:sp>
+      <p:sp>
+        <p:nvSpPr>
+          <p:cNvPr id="5" name="Fußzeilenplatzhalter 4">
+            <a:extLst>
+              <a:ext uri="{FF2B5EF4-FFF2-40B4-BE49-F238E27FC236}">
+                <a16:creationId xmlns:a16="http://schemas.microsoft.com/office/drawing/2014/main" id="{B26CDEAC-5F81-4E24-98B6-B618D6D1DE2F}"/>
+              </a:ext>
+            </a:extLst>
+          </p:cNvPr>
+          <p:cNvSpPr>
+            <a:spLocks noGrp="1"/>
+          </p:cNvSpPr>
+          <p:nvPr>
+            <p:ph type="ftr" sz="quarter" idx="11"/>
+          </p:nvPr>
+        </p:nvSpPr>
+        <p:spPr/>
+        <p:txBody>
+          <a:bodyPr/>
+          <a:lstStyle/>
+          <a:p>
+            <a:r>
+              <a:rPr lang="en-US">
+                <a:solidFill>
+                  <a:prstClr val="black">
+                    <a:tint val="75000"/>
+                  </a:prstClr>
+                </a:solidFill>
+              </a:rPr>
+              <a:t>AMDC GmbH</a:t>
+            </a:r>
+            <a:endParaRPr lang="de-DE" dirty="0">
+              <a:solidFill>
+                <a:prstClr val="black">
+                  <a:tint val="75000"/>
+                </a:prstClr>
+              </a:solidFill>
+            </a:endParaRPr>
+          </a:p>
+        </p:txBody>
+      </p:sp>
+      <p:sp>
+        <p:nvSpPr>
+          <p:cNvPr id="6" name="Foliennummernplatzhalter 5">
+            <a:extLst>
+              <a:ext uri="{FF2B5EF4-FFF2-40B4-BE49-F238E27FC236}">
+                <a16:creationId xmlns:a16="http://schemas.microsoft.com/office/drawing/2014/main" id="{342DD54A-7E59-4115-9F86-1275F256F23E}"/>
+              </a:ext>
+            </a:extLst>
+          </p:cNvPr>
+          <p:cNvSpPr>
+            <a:spLocks noGrp="1"/>
+          </p:cNvSpPr>
+          <p:nvPr>
+            <p:ph type="sldNum" sz="quarter" idx="12"/>
+          </p:nvPr>
+        </p:nvSpPr>
+        <p:spPr/>
+        <p:txBody>
+          <a:bodyPr/>
+          <a:lstStyle/>
+          <a:p>
+            <a:fld id="{70F00D25-D3CD-487E-8E95-A80FF1066101}" type="slidenum">
+              <a:rPr lang="de-DE" smtClean="0">
+                <a:solidFill>
+                  <a:prstClr val="black">
+                    <a:tint val="75000"/>
+                  </a:prstClr>
+                </a:solidFill>
+              </a:rPr>
+              <a:pPr/>
+              <a:t>6</a:t>
+            </a:fld>
+            <a:endParaRPr lang="de-DE">
+              <a:solidFill>
+                <a:prstClr val="black">
+                  <a:tint val="75000"/>
+                </a:prstClr>
+              </a:solidFill>
+            </a:endParaRPr>
+          </a:p>
+        </p:txBody>
+      </p:sp>
+      <p:sp>
+        <p:nvSpPr>
+          <p:cNvPr id="8" name="Textfeld 7">
+            <a:extLst>
+              <a:ext uri="{FF2B5EF4-FFF2-40B4-BE49-F238E27FC236}">
+                <a16:creationId xmlns:a16="http://schemas.microsoft.com/office/drawing/2014/main" id="{069F940F-70ED-439D-8276-DEA58597A8A5}"/>
+              </a:ext>
+            </a:extLst>
+          </p:cNvPr>
+          <p:cNvSpPr txBox="1"/>
+          <p:nvPr/>
+        </p:nvSpPr>
+        <p:spPr>
+          <a:xfrm>
+            <a:off x="405544" y="1372070"/>
+            <a:ext cx="6097712" cy="646331"/>
+          </a:xfrm>
+          <a:prstGeom prst="rect">
+            <a:avLst/>
+          </a:prstGeom>
+          <a:noFill/>
+        </p:spPr>
+        <p:txBody>
+          <a:bodyPr wrap="square">
+            <a:spAutoFit/>
+          </a:bodyPr>
+          <a:lstStyle/>
+          <a:p>
+            <a:r>
+              <a:rPr lang="en-US" b="0" i="0" dirty="0" err="1">
+                <a:solidFill>
+                  <a:srgbClr val="444444"/>
+                </a:solidFill>
+                <a:effectLst/>
+                <a:latin typeface="Courier New" panose="02070309020205020404" pitchFamily="49" charset="0"/>
+              </a:rPr>
+              <a:t>cmake</a:t>
+            </a:r>
+            <a:r>
+              <a:rPr lang="en-US" b="0" i="0" dirty="0">
+                <a:solidFill>
+                  <a:srgbClr val="444444"/>
+                </a:solidFill>
+                <a:effectLst/>
+                <a:latin typeface="Courier New" panose="02070309020205020404" pitchFamily="49" charset="0"/>
+              </a:rPr>
+              <a:t> [&lt;options&gt;] -B &lt;path-to-build&gt; [-S &lt;path-to-source&gt;]</a:t>
+            </a:r>
+            <a:endParaRPr lang="de-DE" dirty="0"/>
+          </a:p>
+        </p:txBody>
+      </p:sp>
+      <p:pic>
+        <p:nvPicPr>
+          <p:cNvPr id="10" name="Grafik 9">
+            <a:extLst>
+              <a:ext uri="{FF2B5EF4-FFF2-40B4-BE49-F238E27FC236}">
+                <a16:creationId xmlns:a16="http://schemas.microsoft.com/office/drawing/2014/main" id="{13A244C3-0379-4418-BF3F-8C879F5A7AFF}"/>
+              </a:ext>
+            </a:extLst>
+          </p:cNvPr>
+          <p:cNvPicPr>
+            <a:picLocks noChangeAspect="1"/>
+          </p:cNvPicPr>
+          <p:nvPr/>
+        </p:nvPicPr>
+        <p:blipFill>
+          <a:blip r:embed="rId2"/>
+          <a:stretch>
+            <a:fillRect/>
+          </a:stretch>
+        </p:blipFill>
+        <p:spPr>
+          <a:xfrm>
+            <a:off x="405544" y="2395443"/>
+            <a:ext cx="3372321" cy="2210108"/>
+          </a:xfrm>
+          <a:prstGeom prst="rect">
+            <a:avLst/>
+          </a:prstGeom>
+        </p:spPr>
+      </p:pic>
+      <p:sp>
+        <p:nvSpPr>
+          <p:cNvPr id="13" name="Textfeld 12">
+            <a:extLst>
+              <a:ext uri="{FF2B5EF4-FFF2-40B4-BE49-F238E27FC236}">
+                <a16:creationId xmlns:a16="http://schemas.microsoft.com/office/drawing/2014/main" id="{D3A3419F-A75F-42AD-AE74-082132018659}"/>
+              </a:ext>
+            </a:extLst>
+          </p:cNvPr>
+          <p:cNvSpPr txBox="1"/>
+          <p:nvPr/>
+        </p:nvSpPr>
+        <p:spPr>
+          <a:xfrm>
+            <a:off x="5249810" y="2395443"/>
+            <a:ext cx="5032147" cy="923330"/>
+          </a:xfrm>
+          <a:prstGeom prst="rect">
+            <a:avLst/>
+          </a:prstGeom>
+          <a:noFill/>
+        </p:spPr>
+        <p:txBody>
+          <a:bodyPr wrap="none" rtlCol="0">
+            <a:spAutoFit/>
+          </a:bodyPr>
+          <a:lstStyle/>
+          <a:p>
+            <a:r>
+              <a:rPr lang="de-DE" dirty="0"/>
+              <a:t>Windows: </a:t>
+            </a:r>
+            <a:r>
+              <a:rPr lang="de-DE" dirty="0" err="1"/>
+              <a:t>need</a:t>
+            </a:r>
+            <a:r>
+              <a:rPr lang="de-DE" dirty="0"/>
+              <a:t> </a:t>
+            </a:r>
+            <a:r>
+              <a:rPr lang="de-DE" dirty="0" err="1"/>
+              <a:t>to</a:t>
+            </a:r>
+            <a:r>
+              <a:rPr lang="de-DE" dirty="0"/>
+              <a:t> </a:t>
+            </a:r>
+            <a:r>
+              <a:rPr lang="de-DE" dirty="0" err="1"/>
+              <a:t>specify</a:t>
+            </a:r>
+            <a:r>
+              <a:rPr lang="de-DE" dirty="0"/>
+              <a:t> </a:t>
+            </a:r>
+            <a:r>
+              <a:rPr lang="de-DE" dirty="0" err="1"/>
+              <a:t>the</a:t>
+            </a:r>
+            <a:r>
+              <a:rPr lang="de-DE" dirty="0"/>
+              <a:t> </a:t>
+            </a:r>
+            <a:r>
+              <a:rPr lang="de-DE" dirty="0" err="1"/>
+              <a:t>generator</a:t>
+            </a:r>
+            <a:r>
+              <a:rPr lang="de-DE" dirty="0"/>
+              <a:t> </a:t>
+            </a:r>
+            <a:r>
+              <a:rPr lang="de-DE" dirty="0" err="1"/>
+              <a:t>system</a:t>
+            </a:r>
+            <a:endParaRPr lang="de-DE" dirty="0"/>
+          </a:p>
+          <a:p>
+            <a:endParaRPr lang="de-DE" dirty="0"/>
+          </a:p>
+          <a:p>
+            <a:r>
+              <a:rPr lang="de-DE" dirty="0" err="1"/>
+              <a:t>cmake</a:t>
+            </a:r>
+            <a:r>
+              <a:rPr lang="de-DE" dirty="0"/>
+              <a:t> .. –G ``</a:t>
+            </a:r>
+            <a:r>
+              <a:rPr lang="de-DE" dirty="0" err="1"/>
+              <a:t>MinGW</a:t>
+            </a:r>
+            <a:r>
+              <a:rPr lang="de-DE" dirty="0"/>
+              <a:t> </a:t>
+            </a:r>
+            <a:r>
+              <a:rPr lang="de-DE" dirty="0" err="1"/>
+              <a:t>Makefiles</a:t>
+            </a:r>
+            <a:r>
+              <a:rPr lang="de-DE" dirty="0"/>
+              <a:t>´´</a:t>
+            </a:r>
+          </a:p>
+        </p:txBody>
+      </p:sp>
+    </p:spTree>
+    <p:extLst>
+      <p:ext uri="{BB962C8B-B14F-4D97-AF65-F5344CB8AC3E}">
+        <p14:creationId xmlns:p14="http://schemas.microsoft.com/office/powerpoint/2010/main" val="4140086907"/>
+      </p:ext>
+    </p:extLst>
+  </p:cSld>
+  <p:clrMapOvr>
+    <a:masterClrMapping/>
+  </p:clrMapOvr>
+</p:sld>
+</file>
+
+<file path=ppt/slides/slide7.xml><?xml version="1.0" encoding="utf-8"?>
+<p:sld xmlns:a="http://schemas.openxmlformats.org/drawingml/2006/main" xmlns:r="http://schemas.openxmlformats.org/officeDocument/2006/relationships" xmlns:p="http://schemas.openxmlformats.org/presentationml/2006/main">
+  <p:cSld>
+    <p:spTree>
+      <p:nvGrpSpPr>
+        <p:cNvPr id="1" name=""/>
+        <p:cNvGrpSpPr/>
+        <p:nvPr/>
+      </p:nvGrpSpPr>
+      <p:grpSpPr>
+        <a:xfrm>
+          <a:off x="0" y="0"/>
+          <a:ext cx="0" cy="0"/>
+          <a:chOff x="0" y="0"/>
+          <a:chExt cx="0" cy="0"/>
+        </a:xfrm>
+      </p:grpSpPr>
+      <p:sp>
+        <p:nvSpPr>
+          <p:cNvPr id="2" name="Titel 1">
+            <a:extLst>
+              <a:ext uri="{FF2B5EF4-FFF2-40B4-BE49-F238E27FC236}">
+                <a16:creationId xmlns:a16="http://schemas.microsoft.com/office/drawing/2014/main" id="{F82DD051-2412-4AC3-9C3D-95E5A0E0168D}"/>
+              </a:ext>
+            </a:extLst>
+          </p:cNvPr>
+          <p:cNvSpPr>
+            <a:spLocks noGrp="1"/>
+          </p:cNvSpPr>
+          <p:nvPr>
+            <p:ph type="title"/>
+          </p:nvPr>
+        </p:nvSpPr>
+        <p:spPr/>
+        <p:txBody>
+          <a:bodyPr/>
+          <a:lstStyle/>
+          <a:p>
+            <a:endParaRPr lang="de-DE"/>
+          </a:p>
+        </p:txBody>
+      </p:sp>
+      <p:sp>
+        <p:nvSpPr>
+          <p:cNvPr id="4" name="Datumsplatzhalter 3">
+            <a:extLst>
+              <a:ext uri="{FF2B5EF4-FFF2-40B4-BE49-F238E27FC236}">
+                <a16:creationId xmlns:a16="http://schemas.microsoft.com/office/drawing/2014/main" id="{0AFDDF81-0597-4A71-B6F9-8C3615F11E74}"/>
+              </a:ext>
+            </a:extLst>
+          </p:cNvPr>
+          <p:cNvSpPr>
+            <a:spLocks noGrp="1"/>
+          </p:cNvSpPr>
+          <p:nvPr>
+            <p:ph type="dt" sz="half" idx="10"/>
+          </p:nvPr>
+        </p:nvSpPr>
+        <p:spPr/>
+        <p:txBody>
+          <a:bodyPr/>
+          <a:lstStyle/>
+          <a:p>
+            <a:fld id="{09F30421-1F29-4C9D-8705-ECCB24313F22}" type="datetime1">
+              <a:rPr lang="de-DE" smtClean="0">
+                <a:solidFill>
+                  <a:prstClr val="black">
+                    <a:tint val="75000"/>
+                  </a:prstClr>
+                </a:solidFill>
+              </a:rPr>
+              <a:pPr/>
+              <a:t>19.03.2024</a:t>
+            </a:fld>
+            <a:endParaRPr lang="de-DE">
+              <a:solidFill>
+                <a:prstClr val="black">
+                  <a:tint val="75000"/>
+                </a:prstClr>
+              </a:solidFill>
+            </a:endParaRPr>
+          </a:p>
+        </p:txBody>
+      </p:sp>
+      <p:sp>
+        <p:nvSpPr>
+          <p:cNvPr id="5" name="Fußzeilenplatzhalter 4">
+            <a:extLst>
+              <a:ext uri="{FF2B5EF4-FFF2-40B4-BE49-F238E27FC236}">
+                <a16:creationId xmlns:a16="http://schemas.microsoft.com/office/drawing/2014/main" id="{21FD4989-1F19-4902-BE3D-696E1B2E1112}"/>
+              </a:ext>
+            </a:extLst>
+          </p:cNvPr>
+          <p:cNvSpPr>
+            <a:spLocks noGrp="1"/>
+          </p:cNvSpPr>
+          <p:nvPr>
+            <p:ph type="ftr" sz="quarter" idx="11"/>
+          </p:nvPr>
+        </p:nvSpPr>
+        <p:spPr/>
+        <p:txBody>
+          <a:bodyPr/>
+          <a:lstStyle/>
+          <a:p>
+            <a:r>
+              <a:rPr lang="en-US">
+                <a:solidFill>
+                  <a:prstClr val="black">
+                    <a:tint val="75000"/>
+                  </a:prstClr>
+                </a:solidFill>
+              </a:rPr>
+              <a:t>AMDC GmbH</a:t>
+            </a:r>
+            <a:endParaRPr lang="de-DE" dirty="0">
+              <a:solidFill>
+                <a:prstClr val="black">
+                  <a:tint val="75000"/>
+                </a:prstClr>
+              </a:solidFill>
+            </a:endParaRPr>
+          </a:p>
+        </p:txBody>
+      </p:sp>
+      <p:sp>
+        <p:nvSpPr>
+          <p:cNvPr id="6" name="Foliennummernplatzhalter 5">
+            <a:extLst>
+              <a:ext uri="{FF2B5EF4-FFF2-40B4-BE49-F238E27FC236}">
+                <a16:creationId xmlns:a16="http://schemas.microsoft.com/office/drawing/2014/main" id="{909ECF0A-68DC-4C79-932E-B0E5EAC13550}"/>
+              </a:ext>
+            </a:extLst>
+          </p:cNvPr>
+          <p:cNvSpPr>
+            <a:spLocks noGrp="1"/>
+          </p:cNvSpPr>
+          <p:nvPr>
+            <p:ph type="sldNum" sz="quarter" idx="12"/>
+          </p:nvPr>
+        </p:nvSpPr>
+        <p:spPr/>
+        <p:txBody>
+          <a:bodyPr/>
+          <a:lstStyle/>
+          <a:p>
+            <a:fld id="{70F00D25-D3CD-487E-8E95-A80FF1066101}" type="slidenum">
+              <a:rPr lang="de-DE" smtClean="0">
+                <a:solidFill>
+                  <a:prstClr val="black">
+                    <a:tint val="75000"/>
+                  </a:prstClr>
+                </a:solidFill>
+              </a:rPr>
+              <a:pPr/>
+              <a:t>7</a:t>
+            </a:fld>
+            <a:endParaRPr lang="de-DE">
+              <a:solidFill>
+                <a:prstClr val="black">
+                  <a:tint val="75000"/>
+                </a:prstClr>
+              </a:solidFill>
+            </a:endParaRPr>
+          </a:p>
+        </p:txBody>
+      </p:sp>
+      <p:sp>
+        <p:nvSpPr>
+          <p:cNvPr id="7" name="Rechteck 6">
+            <a:extLst>
+              <a:ext uri="{FF2B5EF4-FFF2-40B4-BE49-F238E27FC236}">
+                <a16:creationId xmlns:a16="http://schemas.microsoft.com/office/drawing/2014/main" id="{467D0445-69D3-4846-A22E-9CD04DB1DD17}"/>
+              </a:ext>
+            </a:extLst>
+          </p:cNvPr>
+          <p:cNvSpPr/>
+          <p:nvPr/>
+        </p:nvSpPr>
+        <p:spPr>
+          <a:xfrm>
+            <a:off x="1777429" y="2852934"/>
+            <a:ext cx="1284269" cy="576065"/>
+          </a:xfrm>
+          <a:prstGeom prst="rect">
+            <a:avLst/>
+          </a:prstGeom>
+        </p:spPr>
+        <p:style>
+          <a:lnRef idx="2">
+            <a:schemeClr val="accent1">
+              <a:shade val="50000"/>
+            </a:schemeClr>
+          </a:lnRef>
+          <a:fillRef idx="1">
+            <a:schemeClr val="accent1"/>
+          </a:fillRef>
+          <a:effectRef idx="0">
+            <a:schemeClr val="accent1"/>
+          </a:effectRef>
+          <a:fontRef idx="minor">
+            <a:schemeClr val="lt1"/>
+          </a:fontRef>
+        </p:style>
+        <p:txBody>
+          <a:bodyPr rtlCol="0" anchor="ctr"/>
+          <a:lstStyle/>
+          <a:p>
+            <a:pPr algn="ctr"/>
+            <a:r>
+              <a:rPr lang="de-DE" dirty="0" err="1"/>
+              <a:t>CMake</a:t>
+            </a:r>
+            <a:endParaRPr lang="de-DE" dirty="0"/>
+          </a:p>
+        </p:txBody>
+      </p:sp>
+      <p:sp>
+        <p:nvSpPr>
+          <p:cNvPr id="8" name="Rechteck 7">
+            <a:extLst>
+              <a:ext uri="{FF2B5EF4-FFF2-40B4-BE49-F238E27FC236}">
+                <a16:creationId xmlns:a16="http://schemas.microsoft.com/office/drawing/2014/main" id="{A584A679-9ADD-41A9-B820-8D116462B8A3}"/>
+              </a:ext>
+            </a:extLst>
+          </p:cNvPr>
+          <p:cNvSpPr/>
+          <p:nvPr/>
+        </p:nvSpPr>
+        <p:spPr>
+          <a:xfrm>
+            <a:off x="5161352" y="2852934"/>
+            <a:ext cx="1284269" cy="576065"/>
+          </a:xfrm>
+          <a:prstGeom prst="rect">
+            <a:avLst/>
+          </a:prstGeom>
+        </p:spPr>
+        <p:style>
+          <a:lnRef idx="2">
+            <a:schemeClr val="accent1">
+              <a:shade val="50000"/>
+            </a:schemeClr>
+          </a:lnRef>
+          <a:fillRef idx="1">
+            <a:schemeClr val="accent1"/>
+          </a:fillRef>
+          <a:effectRef idx="0">
+            <a:schemeClr val="accent1"/>
+          </a:effectRef>
+          <a:fontRef idx="minor">
+            <a:schemeClr val="lt1"/>
+          </a:fontRef>
+        </p:style>
+        <p:txBody>
+          <a:bodyPr rtlCol="0" anchor="ctr"/>
+          <a:lstStyle/>
+          <a:p>
+            <a:pPr algn="ctr"/>
+            <a:r>
+              <a:rPr lang="de-DE" dirty="0" err="1"/>
+              <a:t>Make</a:t>
+            </a:r>
+            <a:endParaRPr lang="de-DE" dirty="0"/>
+          </a:p>
+        </p:txBody>
+      </p:sp>
+      <p:cxnSp>
+        <p:nvCxnSpPr>
+          <p:cNvPr id="10" name="Gerade Verbindung mit Pfeil 9">
+            <a:extLst>
+              <a:ext uri="{FF2B5EF4-FFF2-40B4-BE49-F238E27FC236}">
+                <a16:creationId xmlns:a16="http://schemas.microsoft.com/office/drawing/2014/main" id="{C61EC4E4-E4B2-410D-BB90-47C33E4AB057}"/>
+              </a:ext>
+            </a:extLst>
+          </p:cNvPr>
+          <p:cNvCxnSpPr>
+            <a:stCxn id="7" idx="3"/>
+            <a:endCxn id="8" idx="1"/>
+          </p:cNvCxnSpPr>
+          <p:nvPr/>
+        </p:nvCxnSpPr>
+        <p:spPr>
+          <a:xfrm>
+            <a:off x="3061698" y="3140967"/>
+            <a:ext cx="2099654" cy="0"/>
+          </a:xfrm>
+          <a:prstGeom prst="straightConnector1">
+            <a:avLst/>
+          </a:prstGeom>
+          <a:ln>
+            <a:tailEnd type="triangle"/>
+          </a:ln>
+        </p:spPr>
+        <p:style>
+          <a:lnRef idx="1">
+            <a:schemeClr val="accent1"/>
+          </a:lnRef>
+          <a:fillRef idx="0">
+            <a:schemeClr val="accent1"/>
+          </a:fillRef>
+          <a:effectRef idx="0">
+            <a:schemeClr val="accent1"/>
+          </a:effectRef>
+          <a:fontRef idx="minor">
+            <a:schemeClr val="tx1"/>
+          </a:fontRef>
+        </p:style>
+      </p:cxnSp>
+      <p:cxnSp>
+        <p:nvCxnSpPr>
+          <p:cNvPr id="12" name="Gerade Verbindung mit Pfeil 11">
+            <a:extLst>
+              <a:ext uri="{FF2B5EF4-FFF2-40B4-BE49-F238E27FC236}">
+                <a16:creationId xmlns:a16="http://schemas.microsoft.com/office/drawing/2014/main" id="{E6B7004F-FD30-463E-B73C-9B887043F0BC}"/>
+              </a:ext>
+            </a:extLst>
+          </p:cNvPr>
+          <p:cNvCxnSpPr>
+            <a:stCxn id="8" idx="3"/>
+          </p:cNvCxnSpPr>
+          <p:nvPr/>
+        </p:nvCxnSpPr>
+        <p:spPr>
+          <a:xfrm flipV="1">
+            <a:off x="6445621" y="3140966"/>
+            <a:ext cx="1506577" cy="1"/>
+          </a:xfrm>
+          <a:prstGeom prst="straightConnector1">
+            <a:avLst/>
+          </a:prstGeom>
+          <a:ln>
+            <a:tailEnd type="triangle"/>
+          </a:ln>
+        </p:spPr>
+        <p:style>
+          <a:lnRef idx="1">
+            <a:schemeClr val="accent1"/>
+          </a:lnRef>
+          <a:fillRef idx="0">
+            <a:schemeClr val="accent1"/>
+          </a:fillRef>
+          <a:effectRef idx="0">
+            <a:schemeClr val="accent1"/>
+          </a:effectRef>
+          <a:fontRef idx="minor">
+            <a:schemeClr val="tx1"/>
+          </a:fontRef>
+        </p:style>
+      </p:cxnSp>
+      <p:sp>
+        <p:nvSpPr>
+          <p:cNvPr id="13" name="Textfeld 12">
+            <a:extLst>
+              <a:ext uri="{FF2B5EF4-FFF2-40B4-BE49-F238E27FC236}">
+                <a16:creationId xmlns:a16="http://schemas.microsoft.com/office/drawing/2014/main" id="{A22B942C-1EA4-46D4-B6BE-EAB4650E9925}"/>
+              </a:ext>
+            </a:extLst>
+          </p:cNvPr>
+          <p:cNvSpPr txBox="1"/>
+          <p:nvPr/>
+        </p:nvSpPr>
+        <p:spPr>
+          <a:xfrm>
+            <a:off x="7331515" y="3244333"/>
+            <a:ext cx="620683" cy="369332"/>
+          </a:xfrm>
+          <a:prstGeom prst="rect">
+            <a:avLst/>
+          </a:prstGeom>
+          <a:noFill/>
+        </p:spPr>
+        <p:txBody>
+          <a:bodyPr wrap="none" rtlCol="0">
+            <a:spAutoFit/>
+          </a:bodyPr>
+          <a:lstStyle/>
+          <a:p>
+            <a:r>
+              <a:rPr lang="de-DE" dirty="0"/>
+              <a:t>.exe</a:t>
+            </a:r>
+          </a:p>
+        </p:txBody>
+      </p:sp>
+      <p:sp>
+        <p:nvSpPr>
+          <p:cNvPr id="15" name="Textfeld 14">
+            <a:extLst>
+              <a:ext uri="{FF2B5EF4-FFF2-40B4-BE49-F238E27FC236}">
+                <a16:creationId xmlns:a16="http://schemas.microsoft.com/office/drawing/2014/main" id="{381F7D05-C867-4C8B-AD47-EBE9CE8A4615}"/>
+              </a:ext>
+            </a:extLst>
+          </p:cNvPr>
+          <p:cNvSpPr txBox="1"/>
+          <p:nvPr/>
+        </p:nvSpPr>
+        <p:spPr>
+          <a:xfrm>
+            <a:off x="1777429" y="3922380"/>
+            <a:ext cx="6097712" cy="369332"/>
+          </a:xfrm>
+          <a:prstGeom prst="rect">
+            <a:avLst/>
+          </a:prstGeom>
+          <a:noFill/>
+        </p:spPr>
+        <p:txBody>
+          <a:bodyPr wrap="square">
+            <a:spAutoFit/>
+          </a:bodyPr>
+          <a:lstStyle/>
+          <a:p>
+            <a:r>
+              <a:rPr lang="de-DE" dirty="0"/>
+              <a:t>https://cmake.org/cmake/help/latest/manual/cmake.1.html</a:t>
+            </a:r>
+          </a:p>
+        </p:txBody>
+      </p:sp>
+      <p:sp>
+        <p:nvSpPr>
+          <p:cNvPr id="16" name="Textfeld 15">
+            <a:extLst>
+              <a:ext uri="{FF2B5EF4-FFF2-40B4-BE49-F238E27FC236}">
+                <a16:creationId xmlns:a16="http://schemas.microsoft.com/office/drawing/2014/main" id="{786380C0-D521-4B48-87CF-96EED29CA44B}"/>
+              </a:ext>
+            </a:extLst>
+          </p:cNvPr>
+          <p:cNvSpPr txBox="1"/>
+          <p:nvPr/>
+        </p:nvSpPr>
+        <p:spPr>
+          <a:xfrm>
+            <a:off x="6445621" y="1857741"/>
+            <a:ext cx="1763431" cy="369332"/>
+          </a:xfrm>
+          <a:prstGeom prst="rect">
+            <a:avLst/>
+          </a:prstGeom>
+          <a:noFill/>
+        </p:spPr>
+        <p:txBody>
+          <a:bodyPr wrap="square">
+            <a:spAutoFit/>
+          </a:bodyPr>
+          <a:lstStyle/>
+          <a:p>
+            <a:r>
+              <a:rPr lang="de-DE" dirty="0"/>
+              <a:t>mingw32-make</a:t>
+            </a:r>
+          </a:p>
+        </p:txBody>
+      </p:sp>
+      <p:sp>
+        <p:nvSpPr>
+          <p:cNvPr id="18" name="Textfeld 17">
+            <a:extLst>
+              <a:ext uri="{FF2B5EF4-FFF2-40B4-BE49-F238E27FC236}">
+                <a16:creationId xmlns:a16="http://schemas.microsoft.com/office/drawing/2014/main" id="{80CFC221-E766-4AD6-91FD-5FD458FE8DDC}"/>
+              </a:ext>
+            </a:extLst>
+          </p:cNvPr>
+          <p:cNvSpPr txBox="1"/>
+          <p:nvPr/>
+        </p:nvSpPr>
+        <p:spPr>
+          <a:xfrm>
+            <a:off x="2113352" y="4630928"/>
+            <a:ext cx="6096000" cy="1200329"/>
+          </a:xfrm>
+          <a:prstGeom prst="rect">
+            <a:avLst/>
+          </a:prstGeom>
+          <a:noFill/>
+        </p:spPr>
+        <p:txBody>
+          <a:bodyPr wrap="square">
+            <a:spAutoFit/>
+          </a:bodyPr>
+          <a:lstStyle/>
+          <a:p>
+            <a:r>
+              <a:rPr lang="de-DE" dirty="0"/>
+              <a:t>https://pabloariasal.github.io/2018/02/19/its-time-to-do-cmake-right/?fbclid=IwAR0DsInbCi7rY2xTuzP48kkvvqcTlvCTMjs0sEIgtOQzNdb36_dcm_hteRw</a:t>
+            </a:r>
+          </a:p>
+        </p:txBody>
+      </p:sp>
+    </p:spTree>
+    <p:extLst>
+      <p:ext uri="{BB962C8B-B14F-4D97-AF65-F5344CB8AC3E}">
+        <p14:creationId xmlns:p14="http://schemas.microsoft.com/office/powerpoint/2010/main" val="3284285845"/>
+      </p:ext>
+    </p:extLst>
+  </p:cSld>
+  <p:clrMapOvr>
+    <a:masterClrMapping/>
+  </p:clrMapOvr>
+</p:sld>
+</file>
+
+<file path=ppt/slides/slide8.xml><?xml version="1.0" encoding="utf-8"?>
+<p:sld xmlns:a="http://schemas.openxmlformats.org/drawingml/2006/main" xmlns:r="http://schemas.openxmlformats.org/officeDocument/2006/relationships" xmlns:p="http://schemas.openxmlformats.org/presentationml/2006/main">
+  <p:cSld>
+    <p:spTree>
+      <p:nvGrpSpPr>
+        <p:cNvPr id="1" name=""/>
+        <p:cNvGrpSpPr/>
+        <p:nvPr/>
+      </p:nvGrpSpPr>
+      <p:grpSpPr>
+        <a:xfrm>
+          <a:off x="0" y="0"/>
+          <a:ext cx="0" cy="0"/>
+          <a:chOff x="0" y="0"/>
+          <a:chExt cx="0" cy="0"/>
+        </a:xfrm>
+      </p:grpSpPr>
+      <p:sp>
+        <p:nvSpPr>
+          <p:cNvPr id="2" name="Titel 1">
+            <a:extLst>
+              <a:ext uri="{FF2B5EF4-FFF2-40B4-BE49-F238E27FC236}">
+                <a16:creationId xmlns:a16="http://schemas.microsoft.com/office/drawing/2014/main" id="{BCFFFB85-F59D-4B44-AA2C-B3E882E98FB2}"/>
+              </a:ext>
+            </a:extLst>
+          </p:cNvPr>
+          <p:cNvSpPr>
+            <a:spLocks noGrp="1"/>
+          </p:cNvSpPr>
+          <p:nvPr>
+            <p:ph type="title"/>
+          </p:nvPr>
+        </p:nvSpPr>
+        <p:spPr/>
+        <p:txBody>
+          <a:bodyPr/>
+          <a:lstStyle/>
+          <a:p>
+            <a:r>
+              <a:rPr lang="de-DE" dirty="0"/>
+              <a:t>Project </a:t>
+            </a:r>
+            <a:r>
+              <a:rPr lang="de-DE" dirty="0" err="1"/>
+              <a:t>Structure</a:t>
+            </a:r>
+            <a:endParaRPr lang="de-DE" dirty="0"/>
+          </a:p>
+        </p:txBody>
+      </p:sp>
+      <p:sp>
+        <p:nvSpPr>
+          <p:cNvPr id="3" name="Inhaltsplatzhalter 2">
+            <a:extLst>
+              <a:ext uri="{FF2B5EF4-FFF2-40B4-BE49-F238E27FC236}">
+                <a16:creationId xmlns:a16="http://schemas.microsoft.com/office/drawing/2014/main" id="{3C9354FF-E77B-43A6-B816-285A6AE1437B}"/>
+              </a:ext>
+            </a:extLst>
+          </p:cNvPr>
+          <p:cNvSpPr>
+            <a:spLocks noGrp="1"/>
+          </p:cNvSpPr>
+          <p:nvPr>
+            <p:ph idx="1"/>
+          </p:nvPr>
+        </p:nvSpPr>
+        <p:spPr/>
+        <p:txBody>
+          <a:bodyPr/>
+          <a:lstStyle/>
+          <a:p>
+            <a:r>
+              <a:rPr lang="de-DE" dirty="0">
+                <a:hlinkClick r:id="rId2"/>
+              </a:rPr>
+              <a:t>https://hsf-training.github.io/hsf-training-cmake-webpage/06-projectstructure/index.html</a:t>
+            </a:r>
+            <a:endParaRPr lang="de-DE" dirty="0"/>
+          </a:p>
+          <a:p>
+            <a:endParaRPr lang="de-DE" dirty="0"/>
+          </a:p>
+          <a:p>
+            <a:pPr marL="0" indent="0">
+              <a:buNone/>
+            </a:pPr>
+            <a:endParaRPr lang="de-DE" dirty="0"/>
+          </a:p>
+        </p:txBody>
+      </p:sp>
+      <p:sp>
+        <p:nvSpPr>
+          <p:cNvPr id="4" name="Datumsplatzhalter 3">
+            <a:extLst>
+              <a:ext uri="{FF2B5EF4-FFF2-40B4-BE49-F238E27FC236}">
+                <a16:creationId xmlns:a16="http://schemas.microsoft.com/office/drawing/2014/main" id="{41D6EF8F-711E-4169-B004-A7E520BE74C2}"/>
+              </a:ext>
+            </a:extLst>
+          </p:cNvPr>
+          <p:cNvSpPr>
+            <a:spLocks noGrp="1"/>
+          </p:cNvSpPr>
+          <p:nvPr>
+            <p:ph type="dt" sz="half" idx="10"/>
+          </p:nvPr>
+        </p:nvSpPr>
+        <p:spPr/>
+        <p:txBody>
+          <a:bodyPr/>
+          <a:lstStyle/>
+          <a:p>
+            <a:fld id="{09F30421-1F29-4C9D-8705-ECCB24313F22}" type="datetime1">
+              <a:rPr lang="de-DE" smtClean="0">
+                <a:solidFill>
+                  <a:prstClr val="black">
+                    <a:tint val="75000"/>
+                  </a:prstClr>
+                </a:solidFill>
+              </a:rPr>
+              <a:pPr/>
+              <a:t>19.03.2024</a:t>
+            </a:fld>
+            <a:endParaRPr lang="de-DE">
+              <a:solidFill>
+                <a:prstClr val="black">
+                  <a:tint val="75000"/>
+                </a:prstClr>
+              </a:solidFill>
+            </a:endParaRPr>
+          </a:p>
+        </p:txBody>
+      </p:sp>
+      <p:sp>
+        <p:nvSpPr>
+          <p:cNvPr id="5" name="Fußzeilenplatzhalter 4">
+            <a:extLst>
+              <a:ext uri="{FF2B5EF4-FFF2-40B4-BE49-F238E27FC236}">
+                <a16:creationId xmlns:a16="http://schemas.microsoft.com/office/drawing/2014/main" id="{41CB724A-0AB7-4FA3-8A46-B48766814A29}"/>
+              </a:ext>
+            </a:extLst>
+          </p:cNvPr>
+          <p:cNvSpPr>
+            <a:spLocks noGrp="1"/>
+          </p:cNvSpPr>
+          <p:nvPr>
+            <p:ph type="ftr" sz="quarter" idx="11"/>
+          </p:nvPr>
+        </p:nvSpPr>
+        <p:spPr/>
+        <p:txBody>
+          <a:bodyPr/>
+          <a:lstStyle/>
+          <a:p>
+            <a:r>
+              <a:rPr lang="en-US">
+                <a:solidFill>
+                  <a:prstClr val="black">
+                    <a:tint val="75000"/>
+                  </a:prstClr>
+                </a:solidFill>
+              </a:rPr>
+              <a:t>AMDC GmbH</a:t>
+            </a:r>
+            <a:endParaRPr lang="de-DE" dirty="0">
+              <a:solidFill>
+                <a:prstClr val="black">
+                  <a:tint val="75000"/>
+                </a:prstClr>
+              </a:solidFill>
+            </a:endParaRPr>
+          </a:p>
+        </p:txBody>
+      </p:sp>
+      <p:sp>
+        <p:nvSpPr>
+          <p:cNvPr id="6" name="Foliennummernplatzhalter 5">
+            <a:extLst>
+              <a:ext uri="{FF2B5EF4-FFF2-40B4-BE49-F238E27FC236}">
+                <a16:creationId xmlns:a16="http://schemas.microsoft.com/office/drawing/2014/main" id="{15EBD925-D2E5-4BED-8132-2938D9755682}"/>
+              </a:ext>
+            </a:extLst>
+          </p:cNvPr>
+          <p:cNvSpPr>
+            <a:spLocks noGrp="1"/>
+          </p:cNvSpPr>
+          <p:nvPr>
+            <p:ph type="sldNum" sz="quarter" idx="12"/>
+          </p:nvPr>
+        </p:nvSpPr>
+        <p:spPr/>
+        <p:txBody>
+          <a:bodyPr/>
+          <a:lstStyle/>
+          <a:p>
+            <a:fld id="{70F00D25-D3CD-487E-8E95-A80FF1066101}" type="slidenum">
+              <a:rPr lang="de-DE" smtClean="0">
+                <a:solidFill>
+                  <a:prstClr val="black">
+                    <a:tint val="75000"/>
+                  </a:prstClr>
+                </a:solidFill>
+              </a:rPr>
+              <a:pPr/>
+              <a:t>8</a:t>
+            </a:fld>
+            <a:endParaRPr lang="de-DE">
+              <a:solidFill>
+                <a:prstClr val="black">
+                  <a:tint val="75000"/>
+                </a:prstClr>
+              </a:solidFill>
+            </a:endParaRPr>
+          </a:p>
+        </p:txBody>
+      </p:sp>
+      <p:pic>
+        <p:nvPicPr>
+          <p:cNvPr id="9" name="Grafik 8">
+            <a:extLst>
+              <a:ext uri="{FF2B5EF4-FFF2-40B4-BE49-F238E27FC236}">
+                <a16:creationId xmlns:a16="http://schemas.microsoft.com/office/drawing/2014/main" id="{44F85A19-891A-41F5-AA1F-57413DFE2546}"/>
+              </a:ext>
+            </a:extLst>
+          </p:cNvPr>
+          <p:cNvPicPr>
+            <a:picLocks noChangeAspect="1"/>
+          </p:cNvPicPr>
+          <p:nvPr/>
+        </p:nvPicPr>
+        <p:blipFill>
+          <a:blip r:embed="rId3"/>
+          <a:stretch>
+            <a:fillRect/>
+          </a:stretch>
+        </p:blipFill>
+        <p:spPr>
+          <a:xfrm>
+            <a:off x="791414" y="2375338"/>
+            <a:ext cx="1913535" cy="3783581"/>
+          </a:xfrm>
+          <a:prstGeom prst="rect">
+            <a:avLst/>
+          </a:prstGeom>
+        </p:spPr>
+      </p:pic>
+    </p:spTree>
+    <p:extLst>
+      <p:ext uri="{BB962C8B-B14F-4D97-AF65-F5344CB8AC3E}">
+        <p14:creationId xmlns:p14="http://schemas.microsoft.com/office/powerpoint/2010/main" val="306795011"/>
       </p:ext>
     </p:extLst>
   </p:cSld>
